--- a/Diplom Stefanova.pptx
+++ b/Diplom Stefanova.pptx
@@ -107,6 +107,11 @@
       </a:defRPr>
     </a:lvl9pPr>
   </p:defaultTextStyle>
+  <p:extLst>
+    <p:ext uri="{EFAFB233-063F-42B5-8137-9DF3F51BA10A}">
+      <p15:sldGuideLst xmlns:p15="http://schemas.microsoft.com/office/powerpoint/2012/main"/>
+    </p:ext>
+  </p:extLst>
 </p:presentation>
 </file>
 
@@ -3880,8 +3885,8 @@
         </p:nvSpPr>
         <p:spPr>
           <a:xfrm>
-            <a:off x="5421086" y="5962261"/>
-            <a:ext cx="6770914" cy="582251"/>
+            <a:off x="5421086" y="5393095"/>
+            <a:ext cx="6770914" cy="1151418"/>
           </a:xfrm>
         </p:spPr>
         <p:txBody>
@@ -3892,6 +3897,13 @@
               <a:rPr lang="ru-RU" sz="1800" dirty="0"/>
               <a:t>Подготовила: Стефанова Ирина Вячеславовна</a:t>
             </a:r>
+          </a:p>
+          <a:p>
+            <a:r>
+              <a:rPr lang="en-US" sz="1800" dirty="0"/>
+              <a:t>https://github.com/IraStefanova/Dip1</a:t>
+            </a:r>
+            <a:endParaRPr lang="ru-RU" sz="1800" dirty="0"/>
           </a:p>
           <a:p>
             <a:endParaRPr lang="en-US" dirty="0"/>
